--- a/Anafores/gym_db_V4.pptx
+++ b/Anafores/gym_db_V4.pptx
@@ -7,14 +7,13 @@
   <p:sldIdLst>
     <p:sldId id="256" r:id="rId2"/>
     <p:sldId id="257" r:id="rId3"/>
-    <p:sldId id="259" r:id="rId4"/>
-    <p:sldId id="260" r:id="rId5"/>
-    <p:sldId id="261" r:id="rId6"/>
-    <p:sldId id="262" r:id="rId7"/>
-    <p:sldId id="264" r:id="rId8"/>
-    <p:sldId id="265" r:id="rId9"/>
-    <p:sldId id="263" r:id="rId10"/>
-    <p:sldId id="266" r:id="rId11"/>
+    <p:sldId id="260" r:id="rId4"/>
+    <p:sldId id="261" r:id="rId5"/>
+    <p:sldId id="262" r:id="rId6"/>
+    <p:sldId id="264" r:id="rId7"/>
+    <p:sldId id="265" r:id="rId8"/>
+    <p:sldId id="263" r:id="rId9"/>
+    <p:sldId id="266" r:id="rId10"/>
   </p:sldIdLst>
   <p:sldSz cx="12192000" cy="6858000"/>
   <p:notesSz cx="6858000" cy="9144000"/>
@@ -250,7 +249,7 @@
           <a:p>
             <a:fld id="{C764DE79-268F-4C1A-8933-263129D2AF90}" type="datetimeFigureOut">
               <a:rPr lang="en-US" dirty="0"/>
-              <a:t>1/17/2022</a:t>
+              <a:t>1/18/2022</a:t>
             </a:fld>
             <a:endParaRPr lang="en-US" dirty="0"/>
           </a:p>
@@ -430,7 +429,7 @@
           <a:p>
             <a:fld id="{C764DE79-268F-4C1A-8933-263129D2AF90}" type="datetimeFigureOut">
               <a:rPr lang="en-US" dirty="0"/>
-              <a:t>1/17/2022</a:t>
+              <a:t>1/18/2022</a:t>
             </a:fld>
             <a:endParaRPr lang="en-US" dirty="0"/>
           </a:p>
@@ -620,7 +619,7 @@
           <a:p>
             <a:fld id="{C764DE79-268F-4C1A-8933-263129D2AF90}" type="datetimeFigureOut">
               <a:rPr lang="en-US" dirty="0"/>
-              <a:t>1/17/2022</a:t>
+              <a:t>1/18/2022</a:t>
             </a:fld>
             <a:endParaRPr lang="en-US" dirty="0"/>
           </a:p>
@@ -800,7 +799,7 @@
           <a:p>
             <a:fld id="{C764DE79-268F-4C1A-8933-263129D2AF90}" type="datetimeFigureOut">
               <a:rPr lang="en-US" dirty="0"/>
-              <a:t>1/17/2022</a:t>
+              <a:t>1/18/2022</a:t>
             </a:fld>
             <a:endParaRPr lang="en-US" dirty="0"/>
           </a:p>
@@ -1057,7 +1056,7 @@
           <a:p>
             <a:fld id="{C764DE79-268F-4C1A-8933-263129D2AF90}" type="datetimeFigureOut">
               <a:rPr lang="en-US" dirty="0"/>
-              <a:t>1/17/2022</a:t>
+              <a:t>1/18/2022</a:t>
             </a:fld>
             <a:endParaRPr lang="en-US" dirty="0"/>
           </a:p>
@@ -1298,7 +1297,7 @@
           <a:p>
             <a:fld id="{C764DE79-268F-4C1A-8933-263129D2AF90}" type="datetimeFigureOut">
               <a:rPr lang="en-US" dirty="0"/>
-              <a:t>1/17/2022</a:t>
+              <a:t>1/18/2022</a:t>
             </a:fld>
             <a:endParaRPr lang="en-US" dirty="0"/>
           </a:p>
@@ -1674,7 +1673,7 @@
           <a:p>
             <a:fld id="{C764DE79-268F-4C1A-8933-263129D2AF90}" type="datetimeFigureOut">
               <a:rPr lang="en-US" dirty="0"/>
-              <a:t>1/17/2022</a:t>
+              <a:t>1/18/2022</a:t>
             </a:fld>
             <a:endParaRPr lang="en-US" dirty="0"/>
           </a:p>
@@ -1803,7 +1802,7 @@
           <a:p>
             <a:fld id="{C764DE79-268F-4C1A-8933-263129D2AF90}" type="datetimeFigureOut">
               <a:rPr lang="en-US" dirty="0"/>
-              <a:t>1/17/2022</a:t>
+              <a:t>1/18/2022</a:t>
             </a:fld>
             <a:endParaRPr lang="en-US" dirty="0"/>
           </a:p>
@@ -1910,7 +1909,7 @@
           <a:p>
             <a:fld id="{C764DE79-268F-4C1A-8933-263129D2AF90}" type="datetimeFigureOut">
               <a:rPr lang="en-US" dirty="0"/>
-              <a:t>1/17/2022</a:t>
+              <a:t>1/18/2022</a:t>
             </a:fld>
             <a:endParaRPr lang="en-US" dirty="0"/>
           </a:p>
@@ -2197,7 +2196,7 @@
           <a:p>
             <a:fld id="{C764DE79-268F-4C1A-8933-263129D2AF90}" type="datetimeFigureOut">
               <a:rPr lang="en-US" dirty="0"/>
-              <a:t>1/17/2022</a:t>
+              <a:t>1/18/2022</a:t>
             </a:fld>
             <a:endParaRPr lang="en-US" dirty="0"/>
           </a:p>
@@ -2461,7 +2460,7 @@
           <a:p>
             <a:fld id="{C764DE79-268F-4C1A-8933-263129D2AF90}" type="datetimeFigureOut">
               <a:rPr lang="en-US" dirty="0"/>
-              <a:t>1/17/2022</a:t>
+              <a:t>1/18/2022</a:t>
             </a:fld>
             <a:endParaRPr lang="en-US" dirty="0"/>
           </a:p>
@@ -2684,7 +2683,7 @@
           <a:p>
             <a:fld id="{C764DE79-268F-4C1A-8933-263129D2AF90}" type="datetimeFigureOut">
               <a:rPr lang="en-US" dirty="0"/>
-              <a:t>1/17/2022</a:t>
+              <a:t>1/18/2022</a:t>
             </a:fld>
             <a:endParaRPr lang="en-US" dirty="0"/>
           </a:p>
@@ -3897,140 +3896,6 @@
 </p:sld>
 </file>
 
-<file path=ppt/slides/slide10.xml><?xml version="1.0" encoding="utf-8"?>
-<p:sld xmlns:a="http://schemas.openxmlformats.org/drawingml/2006/main" xmlns:r="http://schemas.openxmlformats.org/officeDocument/2006/relationships" xmlns:p="http://schemas.openxmlformats.org/presentationml/2006/main">
-  <p:cSld>
-    <p:spTree>
-      <p:nvGrpSpPr>
-        <p:cNvPr id="1" name=""/>
-        <p:cNvGrpSpPr/>
-        <p:nvPr/>
-      </p:nvGrpSpPr>
-      <p:grpSpPr>
-        <a:xfrm>
-          <a:off x="0" y="0"/>
-          <a:ext cx="0" cy="0"/>
-          <a:chOff x="0" y="0"/>
-          <a:chExt cx="0" cy="0"/>
-        </a:xfrm>
-      </p:grpSpPr>
-      <p:sp>
-        <p:nvSpPr>
-          <p:cNvPr id="2" name="Τίτλος 1">
-            <a:extLst>
-              <a:ext uri="{FF2B5EF4-FFF2-40B4-BE49-F238E27FC236}">
-                <a16:creationId xmlns:a16="http://schemas.microsoft.com/office/drawing/2014/main" id="{5675E2E8-14F8-4738-B498-8CFF119392D1}"/>
-              </a:ext>
-            </a:extLst>
-          </p:cNvPr>
-          <p:cNvSpPr>
-            <a:spLocks noGrp="1"/>
-          </p:cNvSpPr>
-          <p:nvPr>
-            <p:ph type="title"/>
-          </p:nvPr>
-        </p:nvSpPr>
-        <p:spPr/>
-        <p:txBody>
-          <a:bodyPr/>
-          <a:lstStyle/>
-          <a:p>
-            <a:r>
-              <a:rPr lang="el-GR" u="sng" dirty="0"/>
-              <a:t>Σκοπός και ιδιότητες εφαρμογής</a:t>
-            </a:r>
-            <a:endParaRPr lang="en-US" dirty="0"/>
-          </a:p>
-        </p:txBody>
-      </p:sp>
-      <p:sp>
-        <p:nvSpPr>
-          <p:cNvPr id="3" name="Θέση περιεχομένου 2">
-            <a:extLst>
-              <a:ext uri="{FF2B5EF4-FFF2-40B4-BE49-F238E27FC236}">
-                <a16:creationId xmlns:a16="http://schemas.microsoft.com/office/drawing/2014/main" id="{1CEA8DDA-52F9-416B-8909-D213485CDD47}"/>
-              </a:ext>
-            </a:extLst>
-          </p:cNvPr>
-          <p:cNvSpPr>
-            <a:spLocks noGrp="1"/>
-          </p:cNvSpPr>
-          <p:nvPr>
-            <p:ph idx="1"/>
-          </p:nvPr>
-        </p:nvSpPr>
-        <p:spPr/>
-        <p:txBody>
-          <a:bodyPr/>
-          <a:lstStyle/>
-          <a:p>
-            <a:r>
-              <a:rPr lang="en-US" dirty="0"/>
-              <a:t>Administrator queries </a:t>
-            </a:r>
-            <a:r>
-              <a:rPr lang="el-GR" dirty="0"/>
-              <a:t>με την εισαγωγή κωδικού</a:t>
-            </a:r>
-            <a:endParaRPr lang="en-US" dirty="0"/>
-          </a:p>
-        </p:txBody>
-      </p:sp>
-      <p:pic>
-        <p:nvPicPr>
-          <p:cNvPr id="5" name="Εικόνα 4">
-            <a:extLst>
-              <a:ext uri="{FF2B5EF4-FFF2-40B4-BE49-F238E27FC236}">
-                <a16:creationId xmlns:a16="http://schemas.microsoft.com/office/drawing/2014/main" id="{D637B85D-DBFA-44B9-86D4-1DD02159D791}"/>
-              </a:ext>
-            </a:extLst>
-          </p:cNvPr>
-          <p:cNvPicPr>
-            <a:picLocks noChangeAspect="1"/>
-          </p:cNvPicPr>
-          <p:nvPr/>
-        </p:nvPicPr>
-        <p:blipFill>
-          <a:blip r:embed="rId2"/>
-          <a:stretch>
-            <a:fillRect/>
-          </a:stretch>
-        </p:blipFill>
-        <p:spPr>
-          <a:xfrm>
-            <a:off x="1503285" y="2356644"/>
-            <a:ext cx="7129001" cy="3289300"/>
-          </a:xfrm>
-          <a:prstGeom prst="rect">
-            <a:avLst/>
-          </a:prstGeom>
-        </p:spPr>
-      </p:pic>
-    </p:spTree>
-    <p:extLst>
-      <p:ext uri="{BB962C8B-B14F-4D97-AF65-F5344CB8AC3E}">
-        <p14:creationId xmlns:p14="http://schemas.microsoft.com/office/powerpoint/2010/main" val="3279910634"/>
-      </p:ext>
-    </p:extLst>
-  </p:cSld>
-  <p:clrMapOvr>
-    <a:masterClrMapping/>
-  </p:clrMapOvr>
-  <mc:AlternateContent xmlns:mc="http://schemas.openxmlformats.org/markup-compatibility/2006" xmlns:p14="http://schemas.microsoft.com/office/powerpoint/2010/main">
-    <mc:Choice Requires="p14">
-      <p:transition spd="med" p14:dur="700">
-        <p:fade/>
-      </p:transition>
-    </mc:Choice>
-    <mc:Fallback xmlns="">
-      <p:transition spd="med">
-        <p:fade/>
-      </p:transition>
-    </mc:Fallback>
-  </mc:AlternateContent>
-</p:sld>
-</file>
-
 <file path=ppt/slides/slide2.xml><?xml version="1.0" encoding="utf-8"?>
 <p:sld xmlns:a="http://schemas.openxmlformats.org/drawingml/2006/main" xmlns:r="http://schemas.openxmlformats.org/officeDocument/2006/relationships" xmlns:p="http://schemas.openxmlformats.org/presentationml/2006/main">
   <p:cSld>
@@ -4608,11 +4473,6 @@
             </a:r>
           </a:p>
           <a:p>
-            <a:endParaRPr lang="el-GR" sz="2200">
-              <a:cs typeface="Calibri"/>
-            </a:endParaRPr>
-          </a:p>
-          <a:p>
             <a:endParaRPr lang="el-GR" sz="2200" dirty="0">
               <a:cs typeface="Calibri"/>
             </a:endParaRPr>
@@ -4623,11 +4483,16 @@
             </a:endParaRPr>
           </a:p>
           <a:p>
+            <a:endParaRPr lang="el-GR" sz="2200" dirty="0">
+              <a:cs typeface="Calibri"/>
+            </a:endParaRPr>
+          </a:p>
+          <a:p>
             <a:r>
               <a:rPr lang="el-GR" sz="2200" dirty="0">
                 <a:cs typeface="Calibri"/>
               </a:rPr>
-              <a:t>Η βάση κρατάει στοιχεία για την άθληση του πελάτη. </a:t>
+              <a:t>Η βάση κρατάει στοιχεία απαραίτητα για την άθληση του πελάτη. </a:t>
             </a:r>
           </a:p>
           <a:p>
@@ -4635,31 +4500,7 @@
               <a:rPr lang="el-GR" sz="2200" dirty="0">
                 <a:cs typeface="Calibri"/>
               </a:rPr>
-              <a:t>Το γυμναστήριο δεν </a:t>
-            </a:r>
-            <a:r>
-              <a:rPr lang="el-GR" sz="2200" dirty="0" err="1">
-                <a:cs typeface="Calibri"/>
-              </a:rPr>
-              <a:t>νοικίαζει</a:t>
-            </a:r>
-            <a:r>
-              <a:rPr lang="el-GR" sz="2200" dirty="0">
-                <a:cs typeface="Calibri"/>
-              </a:rPr>
-              <a:t> χώρους σε πελάτες και ούτε </a:t>
-            </a:r>
-            <a:r>
-              <a:rPr lang="el-GR" sz="2200" dirty="0" err="1">
-                <a:cs typeface="Calibri"/>
-              </a:rPr>
-              <a:t>συνεργάζετε</a:t>
-            </a:r>
-            <a:r>
-              <a:rPr lang="el-GR" sz="2200" dirty="0">
-                <a:cs typeface="Calibri"/>
-              </a:rPr>
-              <a:t> με σωματεία. </a:t>
+              <a:t>Το γυμναστήριο δεν νοικιάζει χώρους σε πελάτες και ούτε συνεργάζεται με σωματεία. </a:t>
             </a:r>
           </a:p>
           <a:p>
@@ -4735,688 +4576,6 @@
 </file>
 
 <file path=ppt/slides/slide3.xml><?xml version="1.0" encoding="utf-8"?>
-<p:sld xmlns:a="http://schemas.openxmlformats.org/drawingml/2006/main" xmlns:r="http://schemas.openxmlformats.org/officeDocument/2006/relationships" xmlns:p="http://schemas.openxmlformats.org/presentationml/2006/main">
-  <p:cSld>
-    <p:bg>
-      <p:bgPr>
-        <a:solidFill>
-          <a:schemeClr val="bg1"/>
-        </a:solidFill>
-        <a:effectLst/>
-      </p:bgPr>
-    </p:bg>
-    <p:spTree>
-      <p:nvGrpSpPr>
-        <p:cNvPr id="1" name=""/>
-        <p:cNvGrpSpPr/>
-        <p:nvPr/>
-      </p:nvGrpSpPr>
-      <p:grpSpPr>
-        <a:xfrm>
-          <a:off x="0" y="0"/>
-          <a:ext cx="0" cy="0"/>
-          <a:chOff x="0" y="0"/>
-          <a:chExt cx="0" cy="0"/>
-        </a:xfrm>
-      </p:grpSpPr>
-      <p:sp useBgFill="1">
-        <p:nvSpPr>
-          <p:cNvPr id="5" name="Rectangle 7">
-            <a:extLst>
-              <a:ext uri="{FF2B5EF4-FFF2-40B4-BE49-F238E27FC236}">
-                <a16:creationId xmlns:a16="http://schemas.microsoft.com/office/drawing/2014/main" id="{2029D5AD-8348-4446-B191-6A9B6FE03F21}"/>
-              </a:ext>
-              <a:ext uri="{C183D7F6-B498-43B3-948B-1728B52AA6E4}">
-                <adec:decorative xmlns:adec="http://schemas.microsoft.com/office/drawing/2017/decorative" val="1"/>
-              </a:ext>
-            </a:extLst>
-          </p:cNvPr>
-          <p:cNvSpPr>
-            <a:spLocks noGrp="1" noRot="1" noChangeAspect="1" noMove="1" noResize="1" noEditPoints="1" noAdjustHandles="1" noChangeArrowheads="1" noChangeShapeType="1" noTextEdit="1"/>
-          </p:cNvSpPr>
-          <p:nvPr>
-            <p:extLst>
-              <p:ext uri="{386F3935-93C4-4BCD-93E2-E3B085C9AB24}">
-                <p16:designElem xmlns:p16="http://schemas.microsoft.com/office/powerpoint/2015/main" val="1"/>
-              </p:ext>
-            </p:extLst>
-          </p:nvPr>
-        </p:nvSpPr>
-        <p:spPr>
-          <a:xfrm>
-            <a:off x="0" y="0"/>
-            <a:ext cx="12188952" cy="6858000"/>
-          </a:xfrm>
-          <a:prstGeom prst="rect">
-            <a:avLst/>
-          </a:prstGeom>
-          <a:ln>
-            <a:noFill/>
-          </a:ln>
-        </p:spPr>
-        <p:style>
-          <a:lnRef idx="2">
-            <a:schemeClr val="accent1">
-              <a:shade val="50000"/>
-            </a:schemeClr>
-          </a:lnRef>
-          <a:fillRef idx="1">
-            <a:schemeClr val="accent1"/>
-          </a:fillRef>
-          <a:effectRef idx="0">
-            <a:schemeClr val="accent1"/>
-          </a:effectRef>
-          <a:fontRef idx="minor">
-            <a:schemeClr val="lt1"/>
-          </a:fontRef>
-        </p:style>
-        <p:txBody>
-          <a:bodyPr rtlCol="0" anchor="ctr"/>
-          <a:lstStyle/>
-          <a:p>
-            <a:pPr algn="ctr"/>
-            <a:endParaRPr lang="en-US"/>
-          </a:p>
-        </p:txBody>
-      </p:sp>
-      <p:sp useBgFill="1">
-        <p:nvSpPr>
-          <p:cNvPr id="6" name="Freeform: Shape 9">
-            <a:extLst>
-              <a:ext uri="{FF2B5EF4-FFF2-40B4-BE49-F238E27FC236}">
-                <a16:creationId xmlns:a16="http://schemas.microsoft.com/office/drawing/2014/main" id="{A3F395A2-2B64-4749-BD93-2F159C7E1FB5}"/>
-              </a:ext>
-              <a:ext uri="{C183D7F6-B498-43B3-948B-1728B52AA6E4}">
-                <adec:decorative xmlns:adec="http://schemas.microsoft.com/office/drawing/2017/decorative" val="1"/>
-              </a:ext>
-            </a:extLst>
-          </p:cNvPr>
-          <p:cNvSpPr>
-            <a:spLocks noGrp="1" noRot="1" noChangeAspect="1" noMove="1" noResize="1" noEditPoints="1" noAdjustHandles="1" noChangeArrowheads="1" noChangeShapeType="1" noTextEdit="1"/>
-          </p:cNvSpPr>
-          <p:nvPr>
-            <p:extLst>
-              <p:ext uri="{386F3935-93C4-4BCD-93E2-E3B085C9AB24}">
-                <p16:designElem xmlns:p16="http://schemas.microsoft.com/office/powerpoint/2015/main" val="1"/>
-              </p:ext>
-            </p:extLst>
-          </p:nvPr>
-        </p:nvSpPr>
-        <p:spPr>
-          <a:xfrm>
-            <a:off x="0" y="0"/>
-            <a:ext cx="12188952" cy="1899601"/>
-          </a:xfrm>
-          <a:custGeom>
-            <a:avLst/>
-            <a:gdLst>
-              <a:gd name="connsiteX0" fmla="*/ 0 w 12188952"/>
-              <a:gd name="connsiteY0" fmla="*/ 0 h 1899601"/>
-              <a:gd name="connsiteX1" fmla="*/ 12188952 w 12188952"/>
-              <a:gd name="connsiteY1" fmla="*/ 0 h 1899601"/>
-              <a:gd name="connsiteX2" fmla="*/ 12188952 w 12188952"/>
-              <a:gd name="connsiteY2" fmla="*/ 1635106 h 1899601"/>
-              <a:gd name="connsiteX3" fmla="*/ 11356325 w 12188952"/>
-              <a:gd name="connsiteY3" fmla="*/ 1707615 h 1899601"/>
-              <a:gd name="connsiteX4" fmla="*/ 6096001 w 12188952"/>
-              <a:gd name="connsiteY4" fmla="*/ 1899601 h 1899601"/>
-              <a:gd name="connsiteX5" fmla="*/ 835678 w 12188952"/>
-              <a:gd name="connsiteY5" fmla="*/ 1707615 h 1899601"/>
-              <a:gd name="connsiteX6" fmla="*/ 0 w 12188952"/>
-              <a:gd name="connsiteY6" fmla="*/ 1634841 h 1899601"/>
-            </a:gdLst>
-            <a:ahLst/>
-            <a:cxnLst>
-              <a:cxn ang="0">
-                <a:pos x="connsiteX0" y="connsiteY0"/>
-              </a:cxn>
-              <a:cxn ang="0">
-                <a:pos x="connsiteX1" y="connsiteY1"/>
-              </a:cxn>
-              <a:cxn ang="0">
-                <a:pos x="connsiteX2" y="connsiteY2"/>
-              </a:cxn>
-              <a:cxn ang="0">
-                <a:pos x="connsiteX3" y="connsiteY3"/>
-              </a:cxn>
-              <a:cxn ang="0">
-                <a:pos x="connsiteX4" y="connsiteY4"/>
-              </a:cxn>
-              <a:cxn ang="0">
-                <a:pos x="connsiteX5" y="connsiteY5"/>
-              </a:cxn>
-              <a:cxn ang="0">
-                <a:pos x="connsiteX6" y="connsiteY6"/>
-              </a:cxn>
-            </a:cxnLst>
-            <a:rect l="l" t="t" r="r" b="b"/>
-            <a:pathLst>
-              <a:path w="12188952" h="1899601">
-                <a:moveTo>
-                  <a:pt x="0" y="0"/>
-                </a:moveTo>
-                <a:lnTo>
-                  <a:pt x="12188952" y="0"/>
-                </a:lnTo>
-                <a:lnTo>
-                  <a:pt x="12188952" y="1635106"/>
-                </a:lnTo>
-                <a:lnTo>
-                  <a:pt x="11356325" y="1707615"/>
-                </a:lnTo>
-                <a:cubicBezTo>
-                  <a:pt x="9739512" y="1831240"/>
-                  <a:pt x="7961919" y="1899601"/>
-                  <a:pt x="6096001" y="1899601"/>
-                </a:cubicBezTo>
-                <a:cubicBezTo>
-                  <a:pt x="4230084" y="1899601"/>
-                  <a:pt x="2452490" y="1831240"/>
-                  <a:pt x="835678" y="1707615"/>
-                </a:cubicBezTo>
-                <a:lnTo>
-                  <a:pt x="0" y="1634841"/>
-                </a:lnTo>
-                <a:close/>
-              </a:path>
-            </a:pathLst>
-          </a:custGeom>
-          <a:ln w="9525">
-            <a:solidFill>
-              <a:srgbClr val="E6E6E6"/>
-            </a:solidFill>
-          </a:ln>
-          <a:effectLst>
-            <a:outerShdw blurRad="50800" dist="38100" dir="2700000" algn="tl" rotWithShape="0">
-              <a:schemeClr val="bg1">
-                <a:lumMod val="85000"/>
-                <a:alpha val="50000"/>
-              </a:schemeClr>
-            </a:outerShdw>
-          </a:effectLst>
-        </p:spPr>
-        <p:style>
-          <a:lnRef idx="2">
-            <a:schemeClr val="accent1">
-              <a:shade val="50000"/>
-            </a:schemeClr>
-          </a:lnRef>
-          <a:fillRef idx="1">
-            <a:schemeClr val="accent1"/>
-          </a:fillRef>
-          <a:effectRef idx="0">
-            <a:schemeClr val="accent1"/>
-          </a:effectRef>
-          <a:fontRef idx="minor">
-            <a:schemeClr val="lt1"/>
-          </a:fontRef>
-        </p:style>
-        <p:txBody>
-          <a:bodyPr wrap="square" rtlCol="0" anchor="ctr">
-            <a:noAutofit/>
-          </a:bodyPr>
-          <a:lstStyle/>
-          <a:p>
-            <a:pPr marL="0" marR="0" lvl="0" indent="0" algn="ctr" defTabSz="914400" rtl="0" eaLnBrk="1" fontAlgn="auto" latinLnBrk="0" hangingPunct="1">
-              <a:lnSpc>
-                <a:spcPct val="100000"/>
-              </a:lnSpc>
-              <a:spcBef>
-                <a:spcPts val="0"/>
-              </a:spcBef>
-              <a:spcAft>
-                <a:spcPts val="0"/>
-              </a:spcAft>
-              <a:buClrTx/>
-              <a:buSzTx/>
-              <a:buFontTx/>
-              <a:buNone/>
-              <a:tabLst/>
-              <a:defRPr/>
-            </a:pPr>
-            <a:endParaRPr kumimoji="0" lang="en-US" sz="1800" b="0" i="0" u="none" strike="noStrike" kern="1200" cap="none" spc="0" normalizeH="0" baseline="0" noProof="0">
-              <a:ln>
-                <a:noFill/>
-              </a:ln>
-              <a:solidFill>
-                <a:prstClr val="white"/>
-              </a:solidFill>
-              <a:effectLst/>
-              <a:uLnTx/>
-              <a:uFillTx/>
-              <a:latin typeface="Calibri" panose="020F0502020204030204"/>
-              <a:ea typeface="+mn-ea"/>
-              <a:cs typeface="+mn-cs"/>
-            </a:endParaRPr>
-          </a:p>
-        </p:txBody>
-      </p:sp>
-      <p:sp useBgFill="1">
-        <p:nvSpPr>
-          <p:cNvPr id="7" name="Freeform: Shape 11">
-            <a:extLst>
-              <a:ext uri="{FF2B5EF4-FFF2-40B4-BE49-F238E27FC236}">
-                <a16:creationId xmlns:a16="http://schemas.microsoft.com/office/drawing/2014/main" id="{5CF0135B-EAB8-4CA0-896C-2D897ECD28BC}"/>
-              </a:ext>
-              <a:ext uri="{C183D7F6-B498-43B3-948B-1728B52AA6E4}">
-                <adec:decorative xmlns:adec="http://schemas.microsoft.com/office/drawing/2017/decorative" val="1"/>
-              </a:ext>
-            </a:extLst>
-          </p:cNvPr>
-          <p:cNvSpPr>
-            <a:spLocks noGrp="1" noRot="1" noChangeAspect="1" noMove="1" noResize="1" noEditPoints="1" noAdjustHandles="1" noChangeArrowheads="1" noChangeShapeType="1" noTextEdit="1"/>
-          </p:cNvSpPr>
-          <p:nvPr>
-            <p:extLst>
-              <p:ext uri="{386F3935-93C4-4BCD-93E2-E3B085C9AB24}">
-                <p16:designElem xmlns:p16="http://schemas.microsoft.com/office/powerpoint/2015/main" val="1"/>
-              </p:ext>
-            </p:extLst>
-          </p:nvPr>
-        </p:nvSpPr>
-        <p:spPr>
-          <a:xfrm>
-            <a:off x="0" y="0"/>
-            <a:ext cx="12192000" cy="1890722"/>
-          </a:xfrm>
-          <a:custGeom>
-            <a:avLst/>
-            <a:gdLst>
-              <a:gd name="connsiteX0" fmla="*/ 0 w 12192000"/>
-              <a:gd name="connsiteY0" fmla="*/ 0 h 1890722"/>
-              <a:gd name="connsiteX1" fmla="*/ 12192000 w 12192000"/>
-              <a:gd name="connsiteY1" fmla="*/ 0 h 1890722"/>
-              <a:gd name="connsiteX2" fmla="*/ 12192000 w 12192000"/>
-              <a:gd name="connsiteY2" fmla="*/ 1626227 h 1890722"/>
-              <a:gd name="connsiteX3" fmla="*/ 11359165 w 12192000"/>
-              <a:gd name="connsiteY3" fmla="*/ 1698736 h 1890722"/>
-              <a:gd name="connsiteX4" fmla="*/ 6097526 w 12192000"/>
-              <a:gd name="connsiteY4" fmla="*/ 1890722 h 1890722"/>
-              <a:gd name="connsiteX5" fmla="*/ 835887 w 12192000"/>
-              <a:gd name="connsiteY5" fmla="*/ 1698736 h 1890722"/>
-              <a:gd name="connsiteX6" fmla="*/ 0 w 12192000"/>
-              <a:gd name="connsiteY6" fmla="*/ 1625962 h 1890722"/>
-            </a:gdLst>
-            <a:ahLst/>
-            <a:cxnLst>
-              <a:cxn ang="0">
-                <a:pos x="connsiteX0" y="connsiteY0"/>
-              </a:cxn>
-              <a:cxn ang="0">
-                <a:pos x="connsiteX1" y="connsiteY1"/>
-              </a:cxn>
-              <a:cxn ang="0">
-                <a:pos x="connsiteX2" y="connsiteY2"/>
-              </a:cxn>
-              <a:cxn ang="0">
-                <a:pos x="connsiteX3" y="connsiteY3"/>
-              </a:cxn>
-              <a:cxn ang="0">
-                <a:pos x="connsiteX4" y="connsiteY4"/>
-              </a:cxn>
-              <a:cxn ang="0">
-                <a:pos x="connsiteX5" y="connsiteY5"/>
-              </a:cxn>
-              <a:cxn ang="0">
-                <a:pos x="connsiteX6" y="connsiteY6"/>
-              </a:cxn>
-            </a:cxnLst>
-            <a:rect l="l" t="t" r="r" b="b"/>
-            <a:pathLst>
-              <a:path w="12192000" h="1890722">
-                <a:moveTo>
-                  <a:pt x="0" y="0"/>
-                </a:moveTo>
-                <a:lnTo>
-                  <a:pt x="12192000" y="0"/>
-                </a:lnTo>
-                <a:lnTo>
-                  <a:pt x="12192000" y="1626227"/>
-                </a:lnTo>
-                <a:lnTo>
-                  <a:pt x="11359165" y="1698736"/>
-                </a:lnTo>
-                <a:cubicBezTo>
-                  <a:pt x="9741947" y="1822361"/>
-                  <a:pt x="7963910" y="1890722"/>
-                  <a:pt x="6097526" y="1890722"/>
-                </a:cubicBezTo>
-                <a:cubicBezTo>
-                  <a:pt x="4231142" y="1890722"/>
-                  <a:pt x="2453104" y="1822361"/>
-                  <a:pt x="835887" y="1698736"/>
-                </a:cubicBezTo>
-                <a:lnTo>
-                  <a:pt x="0" y="1625962"/>
-                </a:lnTo>
-                <a:close/>
-              </a:path>
-            </a:pathLst>
-          </a:custGeom>
-          <a:ln w="9525">
-            <a:noFill/>
-          </a:ln>
-          <a:effectLst/>
-        </p:spPr>
-        <p:style>
-          <a:lnRef idx="2">
-            <a:schemeClr val="accent1">
-              <a:shade val="50000"/>
-            </a:schemeClr>
-          </a:lnRef>
-          <a:fillRef idx="1">
-            <a:schemeClr val="accent1"/>
-          </a:fillRef>
-          <a:effectRef idx="0">
-            <a:schemeClr val="accent1"/>
-          </a:effectRef>
-          <a:fontRef idx="minor">
-            <a:schemeClr val="lt1"/>
-          </a:fontRef>
-        </p:style>
-        <p:txBody>
-          <a:bodyPr wrap="square" rtlCol="0" anchor="ctr">
-            <a:noAutofit/>
-          </a:bodyPr>
-          <a:lstStyle/>
-          <a:p>
-            <a:pPr marL="0" marR="0" lvl="0" indent="0" algn="ctr" defTabSz="914400" rtl="0" eaLnBrk="1" fontAlgn="auto" latinLnBrk="0" hangingPunct="1">
-              <a:lnSpc>
-                <a:spcPct val="100000"/>
-              </a:lnSpc>
-              <a:spcBef>
-                <a:spcPts val="0"/>
-              </a:spcBef>
-              <a:spcAft>
-                <a:spcPts val="0"/>
-              </a:spcAft>
-              <a:buClrTx/>
-              <a:buSzTx/>
-              <a:buFontTx/>
-              <a:buNone/>
-              <a:tabLst/>
-              <a:defRPr/>
-            </a:pPr>
-            <a:endParaRPr kumimoji="0" lang="en-US" sz="1800" b="0" i="0" u="none" strike="noStrike" kern="1200" cap="none" spc="0" normalizeH="0" baseline="0" noProof="0">
-              <a:ln>
-                <a:noFill/>
-              </a:ln>
-              <a:solidFill>
-                <a:prstClr val="white"/>
-              </a:solidFill>
-              <a:effectLst/>
-              <a:uLnTx/>
-              <a:uFillTx/>
-              <a:latin typeface="Calibri" panose="020F0502020204030204"/>
-              <a:ea typeface="+mn-ea"/>
-              <a:cs typeface="+mn-cs"/>
-            </a:endParaRPr>
-          </a:p>
-        </p:txBody>
-      </p:sp>
-      <p:sp>
-        <p:nvSpPr>
-          <p:cNvPr id="2" name="Τίτλος 1">
-            <a:extLst>
-              <a:ext uri="{FF2B5EF4-FFF2-40B4-BE49-F238E27FC236}">
-                <a16:creationId xmlns:a16="http://schemas.microsoft.com/office/drawing/2014/main" id="{D9A39365-CBC0-48B0-BD4B-FBCB77C39BEF}"/>
-              </a:ext>
-            </a:extLst>
-          </p:cNvPr>
-          <p:cNvSpPr>
-            <a:spLocks noGrp="1"/>
-          </p:cNvSpPr>
-          <p:nvPr>
-            <p:ph type="title"/>
-          </p:nvPr>
-        </p:nvSpPr>
-        <p:spPr>
-          <a:xfrm>
-            <a:off x="838200" y="253397"/>
-            <a:ext cx="10515600" cy="1273233"/>
-          </a:xfrm>
-        </p:spPr>
-        <p:txBody>
-          <a:bodyPr>
-            <a:normAutofit/>
-          </a:bodyPr>
-          <a:lstStyle/>
-          <a:p>
-            <a:r>
-              <a:rPr lang="el-GR" sz="4000" u="sng">
-                <a:cs typeface="Calibri Light"/>
-              </a:rPr>
-              <a:t>Ανάλυση λειτουργίας του γυμναστηρίου.</a:t>
-            </a:r>
-          </a:p>
-        </p:txBody>
-      </p:sp>
-      <p:sp>
-        <p:nvSpPr>
-          <p:cNvPr id="9" name="Rectangle 13">
-            <a:extLst>
-              <a:ext uri="{FF2B5EF4-FFF2-40B4-BE49-F238E27FC236}">
-                <a16:creationId xmlns:a16="http://schemas.microsoft.com/office/drawing/2014/main" id="{92C3387C-D24F-4737-8A37-1DC5CFF09CFA}"/>
-              </a:ext>
-              <a:ext uri="{C183D7F6-B498-43B3-948B-1728B52AA6E4}">
-                <adec:decorative xmlns:adec="http://schemas.microsoft.com/office/drawing/2017/decorative" val="1"/>
-              </a:ext>
-            </a:extLst>
-          </p:cNvPr>
-          <p:cNvSpPr>
-            <a:spLocks noGrp="1" noRot="1" noChangeAspect="1" noMove="1" noResize="1" noEditPoints="1" noAdjustHandles="1" noChangeArrowheads="1" noChangeShapeType="1" noTextEdit="1"/>
-          </p:cNvSpPr>
-          <p:nvPr>
-            <p:extLst>
-              <p:ext uri="{386F3935-93C4-4BCD-93E2-E3B085C9AB24}">
-                <p16:designElem xmlns:p16="http://schemas.microsoft.com/office/powerpoint/2015/main" val="1"/>
-              </p:ext>
-            </p:extLst>
-          </p:nvPr>
-        </p:nvSpPr>
-        <p:spPr>
-          <a:xfrm>
-            <a:off x="0" y="524522"/>
-            <a:ext cx="128016" cy="704088"/>
-          </a:xfrm>
-          <a:prstGeom prst="rect">
-            <a:avLst/>
-          </a:prstGeom>
-          <a:solidFill>
-            <a:schemeClr val="accent2"/>
-          </a:solidFill>
-          <a:ln>
-            <a:noFill/>
-          </a:ln>
-        </p:spPr>
-        <p:style>
-          <a:lnRef idx="2">
-            <a:schemeClr val="accent1">
-              <a:shade val="50000"/>
-            </a:schemeClr>
-          </a:lnRef>
-          <a:fillRef idx="1">
-            <a:schemeClr val="accent1"/>
-          </a:fillRef>
-          <a:effectRef idx="0">
-            <a:schemeClr val="accent1"/>
-          </a:effectRef>
-          <a:fontRef idx="minor">
-            <a:schemeClr val="lt1"/>
-          </a:fontRef>
-        </p:style>
-        <p:txBody>
-          <a:bodyPr rtlCol="0" anchor="ctr"/>
-          <a:lstStyle/>
-          <a:p>
-            <a:pPr algn="ctr"/>
-            <a:endParaRPr lang="en-US">
-              <a:solidFill>
-                <a:prstClr val="white"/>
-              </a:solidFill>
-              <a:latin typeface="Calibri" panose="020F0502020204030204"/>
-            </a:endParaRPr>
-          </a:p>
-        </p:txBody>
-      </p:sp>
-      <p:sp>
-        <p:nvSpPr>
-          <p:cNvPr id="3" name="Θέση περιεχομένου 2">
-            <a:extLst>
-              <a:ext uri="{FF2B5EF4-FFF2-40B4-BE49-F238E27FC236}">
-                <a16:creationId xmlns:a16="http://schemas.microsoft.com/office/drawing/2014/main" id="{A09212DB-F483-4590-8640-972AA0A22A06}"/>
-              </a:ext>
-            </a:extLst>
-          </p:cNvPr>
-          <p:cNvSpPr>
-            <a:spLocks noGrp="1"/>
-          </p:cNvSpPr>
-          <p:nvPr>
-            <p:ph idx="1"/>
-          </p:nvPr>
-        </p:nvSpPr>
-        <p:spPr>
-          <a:xfrm>
-            <a:off x="838200" y="2478024"/>
-            <a:ext cx="10515600" cy="3694176"/>
-          </a:xfrm>
-        </p:spPr>
-        <p:txBody>
-          <a:bodyPr vert="horz" lIns="91440" tIns="45720" rIns="91440" bIns="45720" rtlCol="0">
-            <a:normAutofit/>
-          </a:bodyPr>
-          <a:lstStyle/>
-          <a:p>
-            <a:pPr marL="0" indent="0">
-              <a:buNone/>
-            </a:pPr>
-            <a:r>
-              <a:rPr lang="el-GR" sz="2000">
-                <a:cs typeface="Calibri"/>
-              </a:rPr>
-              <a:t>Βασικές φυσικές οντότητες: </a:t>
-            </a:r>
-          </a:p>
-          <a:p>
-            <a:pPr marL="514350" indent="-514350">
-              <a:buAutoNum type="arabicPeriod"/>
-            </a:pPr>
-            <a:r>
-              <a:rPr lang="el-GR" sz="2000">
-                <a:cs typeface="Calibri"/>
-              </a:rPr>
-              <a:t>Οι υπάλληλοί.</a:t>
-            </a:r>
-          </a:p>
-          <a:p>
-            <a:pPr marL="514350" indent="-514350">
-              <a:buAutoNum type="arabicPeriod"/>
-            </a:pPr>
-            <a:r>
-              <a:rPr lang="el-GR" sz="2000">
-                <a:cs typeface="Calibri"/>
-              </a:rPr>
-              <a:t>Οι χώροι.</a:t>
-            </a:r>
-          </a:p>
-          <a:p>
-            <a:pPr marL="514350" indent="-514350">
-              <a:buAutoNum type="arabicPeriod"/>
-            </a:pPr>
-            <a:r>
-              <a:rPr lang="el-GR" sz="2000">
-                <a:cs typeface="Calibri"/>
-              </a:rPr>
-              <a:t>Ο εξοπλισμός.</a:t>
-            </a:r>
-          </a:p>
-          <a:p>
-            <a:pPr marL="514350" indent="-514350">
-              <a:buAutoNum type="arabicPeriod"/>
-            </a:pPr>
-            <a:r>
-              <a:rPr lang="el-GR" sz="2000">
-                <a:cs typeface="Calibri"/>
-              </a:rPr>
-              <a:t>Οι πελάτες.</a:t>
-            </a:r>
-          </a:p>
-          <a:p>
-            <a:pPr marL="0" indent="0">
-              <a:buNone/>
-            </a:pPr>
-            <a:r>
-              <a:rPr lang="el-GR" sz="2000">
-                <a:cs typeface="Calibri"/>
-              </a:rPr>
-              <a:t>Απαραίτητες οντότητες:</a:t>
-            </a:r>
-          </a:p>
-          <a:p>
-            <a:pPr marL="514350" indent="-514350">
-              <a:buAutoNum type="arabicPeriod"/>
-            </a:pPr>
-            <a:r>
-              <a:rPr lang="el-GR" sz="2000">
-                <a:cs typeface="Calibri"/>
-              </a:rPr>
-              <a:t>Οι προπονήσεις.</a:t>
-            </a:r>
-          </a:p>
-          <a:p>
-            <a:pPr marL="514350" indent="-514350">
-              <a:buAutoNum type="arabicPeriod"/>
-            </a:pPr>
-            <a:r>
-              <a:rPr lang="el-GR" sz="2000">
-                <a:cs typeface="Calibri"/>
-              </a:rPr>
-              <a:t>Τα πακέτα.</a:t>
-            </a:r>
-          </a:p>
-          <a:p>
-            <a:pPr marL="514350" indent="-514350">
-              <a:buAutoNum type="arabicPeriod"/>
-            </a:pPr>
-            <a:r>
-              <a:rPr lang="el-GR" sz="2000">
-                <a:cs typeface="Calibri"/>
-              </a:rPr>
-              <a:t>Οι πληρωμές.</a:t>
-            </a:r>
-          </a:p>
-          <a:p>
-            <a:pPr marL="514350" indent="-514350">
-              <a:buAutoNum type="arabicPeriod"/>
-            </a:pPr>
-            <a:endParaRPr lang="el-GR" sz="2000">
-              <a:cs typeface="Calibri"/>
-            </a:endParaRPr>
-          </a:p>
-        </p:txBody>
-      </p:sp>
-    </p:spTree>
-    <p:extLst>
-      <p:ext uri="{BB962C8B-B14F-4D97-AF65-F5344CB8AC3E}">
-        <p14:creationId xmlns:p14="http://schemas.microsoft.com/office/powerpoint/2010/main" val="1540833942"/>
-      </p:ext>
-    </p:extLst>
-  </p:cSld>
-  <p:clrMapOvr>
-    <a:masterClrMapping/>
-  </p:clrMapOvr>
-  <mc:AlternateContent xmlns:mc="http://schemas.openxmlformats.org/markup-compatibility/2006" xmlns:p14="http://schemas.microsoft.com/office/powerpoint/2010/main">
-    <mc:Choice Requires="p14">
-      <p:transition p14:dur="0"/>
-    </mc:Choice>
-    <mc:Fallback xmlns="">
-      <p:transition/>
-    </mc:Fallback>
-  </mc:AlternateContent>
-</p:sld>
-</file>
-
-<file path=ppt/slides/slide4.xml><?xml version="1.0" encoding="utf-8"?>
 <p:sld xmlns:a="http://schemas.openxmlformats.org/drawingml/2006/main" xmlns:r="http://schemas.openxmlformats.org/officeDocument/2006/relationships" xmlns:p="http://schemas.openxmlformats.org/presentationml/2006/main">
   <p:cSld>
     <p:spTree>
@@ -5508,7 +4667,7 @@
 </p:sld>
 </file>
 
-<file path=ppt/slides/slide5.xml><?xml version="1.0" encoding="utf-8"?>
+<file path=ppt/slides/slide4.xml><?xml version="1.0" encoding="utf-8"?>
 <p:sld xmlns:a="http://schemas.openxmlformats.org/drawingml/2006/main" xmlns:r="http://schemas.openxmlformats.org/officeDocument/2006/relationships" xmlns:p="http://schemas.openxmlformats.org/presentationml/2006/main">
   <p:cSld>
     <p:spTree>
@@ -5604,7 +4763,7 @@
 </p:sld>
 </file>
 
-<file path=ppt/slides/slide6.xml><?xml version="1.0" encoding="utf-8"?>
+<file path=ppt/slides/slide5.xml><?xml version="1.0" encoding="utf-8"?>
 <p:sld xmlns:a="http://schemas.openxmlformats.org/drawingml/2006/main" xmlns:r="http://schemas.openxmlformats.org/officeDocument/2006/relationships" xmlns:p="http://schemas.openxmlformats.org/presentationml/2006/main">
   <p:cSld>
     <p:spTree>
@@ -5707,7 +4866,7 @@
             <a:pPr lvl="1"/>
             <a:r>
               <a:rPr lang="el-GR" dirty="0"/>
-              <a:t>Προσθήκη νέον πελατών </a:t>
+              <a:t>Προσθήκη νέων πελατών </a:t>
             </a:r>
           </a:p>
           <a:p>
@@ -5749,7 +4908,7 @@
 </p:sld>
 </file>
 
-<file path=ppt/slides/slide7.xml><?xml version="1.0" encoding="utf-8"?>
+<file path=ppt/slides/slide6.xml><?xml version="1.0" encoding="utf-8"?>
 <p:sld xmlns:a="http://schemas.openxmlformats.org/drawingml/2006/main" xmlns:r="http://schemas.openxmlformats.org/officeDocument/2006/relationships" xmlns:p="http://schemas.openxmlformats.org/presentationml/2006/main">
   <p:cSld>
     <p:spTree>
@@ -5935,7 +5094,7 @@
 </p:sld>
 </file>
 
-<file path=ppt/slides/slide8.xml><?xml version="1.0" encoding="utf-8"?>
+<file path=ppt/slides/slide7.xml><?xml version="1.0" encoding="utf-8"?>
 <p:sld xmlns:a="http://schemas.openxmlformats.org/drawingml/2006/main" xmlns:r="http://schemas.openxmlformats.org/officeDocument/2006/relationships" xmlns:p="http://schemas.openxmlformats.org/presentationml/2006/main">
   <p:cSld>
     <p:spTree>
@@ -6068,7 +5227,7 @@
 </p:sld>
 </file>
 
-<file path=ppt/slides/slide9.xml><?xml version="1.0" encoding="utf-8"?>
+<file path=ppt/slides/slide8.xml><?xml version="1.0" encoding="utf-8"?>
 <p:sld xmlns:a="http://schemas.openxmlformats.org/drawingml/2006/main" xmlns:r="http://schemas.openxmlformats.org/officeDocument/2006/relationships" xmlns:p="http://schemas.openxmlformats.org/presentationml/2006/main">
   <p:cSld>
     <p:spTree>
@@ -6151,15 +5310,7 @@
             <a:pPr lvl="1"/>
             <a:r>
               <a:rPr lang="el-GR" dirty="0"/>
-              <a:t>Μπορούν να αναζητήσουν στοιχεία των υπαλλήλων, </a:t>
-            </a:r>
-            <a:r>
-              <a:rPr lang="el-GR" dirty="0" err="1"/>
-              <a:t>εξοπλησμού</a:t>
-            </a:r>
-            <a:r>
-              <a:rPr lang="el-GR" dirty="0"/>
-              <a:t> και των χώρων μέσω του παραθύρου </a:t>
+              <a:t>Μπορούν να αναζητήσουν στοιχεία των υπαλλήλων, εξοπλισμού και των χώρων μέσω του παραθύρου </a:t>
             </a:r>
             <a:r>
               <a:rPr lang="en-US" dirty="0" err="1"/>
@@ -6214,6 +5365,140 @@
     <p:extLst>
       <p:ext uri="{BB962C8B-B14F-4D97-AF65-F5344CB8AC3E}">
         <p14:creationId xmlns:p14="http://schemas.microsoft.com/office/powerpoint/2010/main" val="1503144535"/>
+      </p:ext>
+    </p:extLst>
+  </p:cSld>
+  <p:clrMapOvr>
+    <a:masterClrMapping/>
+  </p:clrMapOvr>
+  <mc:AlternateContent xmlns:mc="http://schemas.openxmlformats.org/markup-compatibility/2006" xmlns:p14="http://schemas.microsoft.com/office/powerpoint/2010/main">
+    <mc:Choice Requires="p14">
+      <p:transition spd="med" p14:dur="700">
+        <p:fade/>
+      </p:transition>
+    </mc:Choice>
+    <mc:Fallback xmlns="">
+      <p:transition spd="med">
+        <p:fade/>
+      </p:transition>
+    </mc:Fallback>
+  </mc:AlternateContent>
+</p:sld>
+</file>
+
+<file path=ppt/slides/slide9.xml><?xml version="1.0" encoding="utf-8"?>
+<p:sld xmlns:a="http://schemas.openxmlformats.org/drawingml/2006/main" xmlns:r="http://schemas.openxmlformats.org/officeDocument/2006/relationships" xmlns:p="http://schemas.openxmlformats.org/presentationml/2006/main">
+  <p:cSld>
+    <p:spTree>
+      <p:nvGrpSpPr>
+        <p:cNvPr id="1" name=""/>
+        <p:cNvGrpSpPr/>
+        <p:nvPr/>
+      </p:nvGrpSpPr>
+      <p:grpSpPr>
+        <a:xfrm>
+          <a:off x="0" y="0"/>
+          <a:ext cx="0" cy="0"/>
+          <a:chOff x="0" y="0"/>
+          <a:chExt cx="0" cy="0"/>
+        </a:xfrm>
+      </p:grpSpPr>
+      <p:sp>
+        <p:nvSpPr>
+          <p:cNvPr id="2" name="Τίτλος 1">
+            <a:extLst>
+              <a:ext uri="{FF2B5EF4-FFF2-40B4-BE49-F238E27FC236}">
+                <a16:creationId xmlns:a16="http://schemas.microsoft.com/office/drawing/2014/main" id="{5675E2E8-14F8-4738-B498-8CFF119392D1}"/>
+              </a:ext>
+            </a:extLst>
+          </p:cNvPr>
+          <p:cNvSpPr>
+            <a:spLocks noGrp="1"/>
+          </p:cNvSpPr>
+          <p:nvPr>
+            <p:ph type="title"/>
+          </p:nvPr>
+        </p:nvSpPr>
+        <p:spPr/>
+        <p:txBody>
+          <a:bodyPr/>
+          <a:lstStyle/>
+          <a:p>
+            <a:r>
+              <a:rPr lang="el-GR" u="sng" dirty="0"/>
+              <a:t>Σκοπός και ιδιότητες εφαρμογής</a:t>
+            </a:r>
+            <a:endParaRPr lang="en-US" dirty="0"/>
+          </a:p>
+        </p:txBody>
+      </p:sp>
+      <p:sp>
+        <p:nvSpPr>
+          <p:cNvPr id="3" name="Θέση περιεχομένου 2">
+            <a:extLst>
+              <a:ext uri="{FF2B5EF4-FFF2-40B4-BE49-F238E27FC236}">
+                <a16:creationId xmlns:a16="http://schemas.microsoft.com/office/drawing/2014/main" id="{1CEA8DDA-52F9-416B-8909-D213485CDD47}"/>
+              </a:ext>
+            </a:extLst>
+          </p:cNvPr>
+          <p:cNvSpPr>
+            <a:spLocks noGrp="1"/>
+          </p:cNvSpPr>
+          <p:nvPr>
+            <p:ph idx="1"/>
+          </p:nvPr>
+        </p:nvSpPr>
+        <p:spPr/>
+        <p:txBody>
+          <a:bodyPr/>
+          <a:lstStyle/>
+          <a:p>
+            <a:r>
+              <a:rPr lang="en-US" dirty="0"/>
+              <a:t>Administrator queries </a:t>
+            </a:r>
+            <a:r>
+              <a:rPr lang="el-GR" dirty="0"/>
+              <a:t>με την εισαγωγή κωδικού</a:t>
+            </a:r>
+            <a:endParaRPr lang="en-US" dirty="0"/>
+          </a:p>
+        </p:txBody>
+      </p:sp>
+      <p:pic>
+        <p:nvPicPr>
+          <p:cNvPr id="5" name="Εικόνα 4">
+            <a:extLst>
+              <a:ext uri="{FF2B5EF4-FFF2-40B4-BE49-F238E27FC236}">
+                <a16:creationId xmlns:a16="http://schemas.microsoft.com/office/drawing/2014/main" id="{D637B85D-DBFA-44B9-86D4-1DD02159D791}"/>
+              </a:ext>
+            </a:extLst>
+          </p:cNvPr>
+          <p:cNvPicPr>
+            <a:picLocks noChangeAspect="1"/>
+          </p:cNvPicPr>
+          <p:nvPr/>
+        </p:nvPicPr>
+        <p:blipFill>
+          <a:blip r:embed="rId2"/>
+          <a:stretch>
+            <a:fillRect/>
+          </a:stretch>
+        </p:blipFill>
+        <p:spPr>
+          <a:xfrm>
+            <a:off x="1503285" y="2356644"/>
+            <a:ext cx="7129001" cy="3289300"/>
+          </a:xfrm>
+          <a:prstGeom prst="rect">
+            <a:avLst/>
+          </a:prstGeom>
+        </p:spPr>
+      </p:pic>
+    </p:spTree>
+    <p:extLst>
+      <p:ext uri="{BB962C8B-B14F-4D97-AF65-F5344CB8AC3E}">
+        <p14:creationId xmlns:p14="http://schemas.microsoft.com/office/powerpoint/2010/main" val="3279910634"/>
       </p:ext>
     </p:extLst>
   </p:cSld>
